--- a/pptx/flyer-letter-landscape-simplex.pptx
+++ b/pptx/flyer-letter-landscape-simplex.pptx
@@ -193,7 +193,7 @@
             <a:fld id="{E6B69B9A-EBF2-40A2-9D44-D8894D76E5AA}" type="datetimeFigureOut">
               <a:rPr lang="en-US" smtClean="0"/>
               <a:pPr/>
-              <a:t>3/17/2023</a:t>
+              <a:t>4/4/2023</a:t>
             </a:fld>
             <a:endParaRPr lang="en-US"/>
           </a:p>
@@ -723,7 +723,7 @@
             <a:fld id="{FFAEE2A6-3326-4110-86FD-7999FAF84882}" type="datetimeFigureOut">
               <a:rPr lang="en-US" smtClean="0"/>
               <a:pPr/>
-              <a:t>3/17/2023</a:t>
+              <a:t>4/4/2023</a:t>
             </a:fld>
             <a:endParaRPr lang="en-US"/>
           </a:p>
@@ -890,7 +890,7 @@
             <a:fld id="{FFAEE2A6-3326-4110-86FD-7999FAF84882}" type="datetimeFigureOut">
               <a:rPr lang="en-US" smtClean="0"/>
               <a:pPr/>
-              <a:t>3/17/2023</a:t>
+              <a:t>4/4/2023</a:t>
             </a:fld>
             <a:endParaRPr lang="en-US"/>
           </a:p>
@@ -1067,7 +1067,7 @@
             <a:fld id="{FFAEE2A6-3326-4110-86FD-7999FAF84882}" type="datetimeFigureOut">
               <a:rPr lang="en-US" smtClean="0"/>
               <a:pPr/>
-              <a:t>3/17/2023</a:t>
+              <a:t>4/4/2023</a:t>
             </a:fld>
             <a:endParaRPr lang="en-US"/>
           </a:p>
@@ -1234,7 +1234,7 @@
             <a:fld id="{FFAEE2A6-3326-4110-86FD-7999FAF84882}" type="datetimeFigureOut">
               <a:rPr lang="en-US" smtClean="0"/>
               <a:pPr/>
-              <a:t>3/17/2023</a:t>
+              <a:t>4/4/2023</a:t>
             </a:fld>
             <a:endParaRPr lang="en-US"/>
           </a:p>
@@ -1477,7 +1477,7 @@
             <a:fld id="{FFAEE2A6-3326-4110-86FD-7999FAF84882}" type="datetimeFigureOut">
               <a:rPr lang="en-US" smtClean="0"/>
               <a:pPr/>
-              <a:t>3/17/2023</a:t>
+              <a:t>4/4/2023</a:t>
             </a:fld>
             <a:endParaRPr lang="en-US"/>
           </a:p>
@@ -1762,7 +1762,7 @@
             <a:fld id="{FFAEE2A6-3326-4110-86FD-7999FAF84882}" type="datetimeFigureOut">
               <a:rPr lang="en-US" smtClean="0"/>
               <a:pPr/>
-              <a:t>3/17/2023</a:t>
+              <a:t>4/4/2023</a:t>
             </a:fld>
             <a:endParaRPr lang="en-US"/>
           </a:p>
@@ -2181,7 +2181,7 @@
             <a:fld id="{FFAEE2A6-3326-4110-86FD-7999FAF84882}" type="datetimeFigureOut">
               <a:rPr lang="en-US" smtClean="0"/>
               <a:pPr/>
-              <a:t>3/17/2023</a:t>
+              <a:t>4/4/2023</a:t>
             </a:fld>
             <a:endParaRPr lang="en-US"/>
           </a:p>
@@ -2296,7 +2296,7 @@
             <a:fld id="{FFAEE2A6-3326-4110-86FD-7999FAF84882}" type="datetimeFigureOut">
               <a:rPr lang="en-US" smtClean="0"/>
               <a:pPr/>
-              <a:t>3/17/2023</a:t>
+              <a:t>4/4/2023</a:t>
             </a:fld>
             <a:endParaRPr lang="en-US"/>
           </a:p>
@@ -2388,7 +2388,7 @@
             <a:fld id="{FFAEE2A6-3326-4110-86FD-7999FAF84882}" type="datetimeFigureOut">
               <a:rPr lang="en-US" smtClean="0"/>
               <a:pPr/>
-              <a:t>3/17/2023</a:t>
+              <a:t>4/4/2023</a:t>
             </a:fld>
             <a:endParaRPr lang="en-US"/>
           </a:p>
@@ -2662,7 +2662,7 @@
             <a:fld id="{FFAEE2A6-3326-4110-86FD-7999FAF84882}" type="datetimeFigureOut">
               <a:rPr lang="en-US" smtClean="0"/>
               <a:pPr/>
-              <a:t>3/17/2023</a:t>
+              <a:t>4/4/2023</a:t>
             </a:fld>
             <a:endParaRPr lang="en-US"/>
           </a:p>
@@ -2912,7 +2912,7 @@
             <a:fld id="{FFAEE2A6-3326-4110-86FD-7999FAF84882}" type="datetimeFigureOut">
               <a:rPr lang="en-US" smtClean="0"/>
               <a:pPr/>
-              <a:t>3/17/2023</a:t>
+              <a:t>4/4/2023</a:t>
             </a:fld>
             <a:endParaRPr lang="en-US"/>
           </a:p>
@@ -3122,7 +3122,7 @@
             <a:fld id="{FFAEE2A6-3326-4110-86FD-7999FAF84882}" type="datetimeFigureOut">
               <a:rPr lang="en-US" smtClean="0"/>
               <a:pPr/>
-              <a:t>3/17/2023</a:t>
+              <a:t>4/4/2023</a:t>
             </a:fld>
             <a:endParaRPr lang="en-US"/>
           </a:p>
@@ -3594,7 +3594,7 @@
               </a:ln>
             </p:spPr>
             <p:txBody>
-              <a:bodyPr vert="vert" wrap="none" lIns="45720" tIns="182880" rIns="45720" bIns="0" rtlCol="0" anchor="ctr" anchorCtr="0">
+              <a:bodyPr vert="vert" wrap="none" lIns="45720" tIns="274320" rIns="45720" bIns="0" rtlCol="0" anchor="ctr" anchorCtr="0">
                 <a:normAutofit/>
               </a:bodyPr>
               <a:lstStyle/>
@@ -3673,7 +3673,7 @@
               </a:ln>
             </p:spPr>
             <p:txBody>
-              <a:bodyPr vert="vert" wrap="none" lIns="45720" tIns="182880" rIns="45720" bIns="0" rtlCol="0" anchor="ctr" anchorCtr="0">
+              <a:bodyPr vert="vert" wrap="none" lIns="45720" tIns="274320" rIns="45720" bIns="0" rtlCol="0" anchor="ctr" anchorCtr="0">
                 <a:normAutofit/>
               </a:bodyPr>
               <a:lstStyle/>
@@ -3752,7 +3752,7 @@
               </a:ln>
             </p:spPr>
             <p:txBody>
-              <a:bodyPr vert="vert" wrap="none" lIns="45720" tIns="182880" rIns="45720" bIns="0" rtlCol="0" anchor="ctr" anchorCtr="0">
+              <a:bodyPr vert="vert" wrap="none" lIns="45720" tIns="274320" rIns="45720" bIns="0" rtlCol="0" anchor="ctr" anchorCtr="0">
                 <a:normAutofit/>
               </a:bodyPr>
               <a:lstStyle/>
@@ -3831,7 +3831,7 @@
               </a:ln>
             </p:spPr>
             <p:txBody>
-              <a:bodyPr vert="vert" wrap="none" lIns="45720" tIns="182880" rIns="45720" bIns="0" rtlCol="0" anchor="ctr" anchorCtr="0">
+              <a:bodyPr vert="vert" wrap="none" lIns="45720" tIns="274320" rIns="45720" bIns="0" rtlCol="0" anchor="ctr" anchorCtr="0">
                 <a:normAutofit/>
               </a:bodyPr>
               <a:lstStyle/>
@@ -3910,7 +3910,7 @@
               </a:ln>
             </p:spPr>
             <p:txBody>
-              <a:bodyPr vert="vert" wrap="none" lIns="45720" tIns="182880" rIns="45720" bIns="0" rtlCol="0" anchor="ctr" anchorCtr="0">
+              <a:bodyPr vert="vert" wrap="none" lIns="45720" tIns="274320" rIns="45720" bIns="0" rtlCol="0" anchor="ctr" anchorCtr="0">
                 <a:normAutofit/>
               </a:bodyPr>
               <a:lstStyle/>
@@ -3989,7 +3989,7 @@
               </a:ln>
             </p:spPr>
             <p:txBody>
-              <a:bodyPr vert="vert" wrap="none" lIns="45720" tIns="182880" rIns="45720" bIns="0" rtlCol="0" anchor="ctr" anchorCtr="0">
+              <a:bodyPr vert="vert" wrap="none" lIns="45720" tIns="274320" rIns="45720" bIns="0" rtlCol="0" anchor="ctr" anchorCtr="0">
                 <a:normAutofit/>
               </a:bodyPr>
               <a:lstStyle/>
@@ -4068,7 +4068,7 @@
               </a:ln>
             </p:spPr>
             <p:txBody>
-              <a:bodyPr vert="vert" wrap="none" lIns="45720" tIns="182880" rIns="45720" bIns="0" rtlCol="0" anchor="ctr" anchorCtr="0">
+              <a:bodyPr vert="vert" wrap="none" lIns="45720" tIns="274320" rIns="45720" bIns="0" rtlCol="0" anchor="ctr" anchorCtr="0">
                 <a:normAutofit/>
               </a:bodyPr>
               <a:lstStyle/>
@@ -4147,7 +4147,7 @@
               </a:ln>
             </p:spPr>
             <p:txBody>
-              <a:bodyPr vert="vert" wrap="none" lIns="45720" tIns="182880" rIns="45720" bIns="0" rtlCol="0" anchor="ctr" anchorCtr="0">
+              <a:bodyPr vert="vert" wrap="none" lIns="45720" tIns="274320" rIns="45720" bIns="0" rtlCol="0" anchor="ctr" anchorCtr="0">
                 <a:normAutofit/>
               </a:bodyPr>
               <a:lstStyle/>
@@ -4226,7 +4226,7 @@
               </a:ln>
             </p:spPr>
             <p:txBody>
-              <a:bodyPr vert="vert" wrap="none" lIns="45720" tIns="182880" rIns="45720" bIns="0" rtlCol="0" anchor="ctr" anchorCtr="0">
+              <a:bodyPr vert="vert" wrap="none" lIns="45720" tIns="274320" rIns="45720" bIns="0" rtlCol="0" anchor="ctr" anchorCtr="0">
                 <a:normAutofit/>
               </a:bodyPr>
               <a:lstStyle/>
@@ -4305,7 +4305,7 @@
               </a:ln>
             </p:spPr>
             <p:txBody>
-              <a:bodyPr vert="vert" wrap="none" lIns="45720" tIns="182880" rIns="45720" bIns="0" rtlCol="0" anchor="ctr" anchorCtr="0">
+              <a:bodyPr vert="vert" wrap="none" lIns="45720" tIns="274320" rIns="45720" bIns="0" rtlCol="0" anchor="ctr" anchorCtr="0">
                 <a:normAutofit/>
               </a:bodyPr>
               <a:lstStyle/>
@@ -4384,7 +4384,7 @@
               </a:ln>
             </p:spPr>
             <p:txBody>
-              <a:bodyPr vert="vert" wrap="none" lIns="45720" tIns="182880" rIns="45720" bIns="0" rtlCol="0" anchor="ctr" anchorCtr="0">
+              <a:bodyPr vert="vert" wrap="none" lIns="45720" tIns="274320" rIns="45720" bIns="0" rtlCol="0" anchor="ctr" anchorCtr="0">
                 <a:normAutofit/>
               </a:bodyPr>
               <a:lstStyle/>
@@ -4463,7 +4463,7 @@
               </a:ln>
             </p:spPr>
             <p:txBody>
-              <a:bodyPr vert="vert" wrap="none" lIns="45720" tIns="182880" rIns="45720" bIns="0" rtlCol="0" anchor="ctr" anchorCtr="0">
+              <a:bodyPr vert="vert" wrap="none" lIns="45720" tIns="274320" rIns="45720" bIns="0" rtlCol="0" anchor="ctr" anchorCtr="0">
                 <a:normAutofit/>
               </a:bodyPr>
               <a:lstStyle/>
